--- a/diagrams/oop/inheritance/overriding/report.pptx
+++ b/diagrams/oop/inheritance/overriding/report.pptx
@@ -104,6 +104,22 @@
       </a:defRPr>
     </a:lvl9pPr>
   </p:defaultTextStyle>
+  <p:extLst>
+    <p:ext uri="{EFAFB233-063F-42B5-8137-9DF3F51BA10A}">
+      <p15:sldGuideLst xmlns:p15="http://schemas.microsoft.com/office/powerpoint/2012/main">
+        <p15:guide id="1" orient="horz" pos="2160">
+          <p15:clr>
+            <a:srgbClr val="A4A3A4"/>
+          </p15:clr>
+        </p15:guide>
+        <p15:guide id="2" pos="2880">
+          <p15:clr>
+            <a:srgbClr val="A4A3A4"/>
+          </p15:clr>
+        </p15:guide>
+      </p15:sldGuideLst>
+    </p:ext>
+  </p:extLst>
 </p:presentation>
 </file>
 
@@ -288,7 +304,7 @@
           <a:p>
             <a:fld id="{0CE62613-D348-4AD8-BC88-BB3F1C2A888F}" type="datetimeFigureOut">
               <a:rPr lang="en-SG" smtClean="0"/>
-              <a:t>9/6/2017</a:t>
+              <a:t>10/9/2017</a:t>
             </a:fld>
             <a:endParaRPr lang="en-SG"/>
           </a:p>
@@ -458,7 +474,7 @@
           <a:p>
             <a:fld id="{0CE62613-D348-4AD8-BC88-BB3F1C2A888F}" type="datetimeFigureOut">
               <a:rPr lang="en-SG" smtClean="0"/>
-              <a:t>9/6/2017</a:t>
+              <a:t>10/9/2017</a:t>
             </a:fld>
             <a:endParaRPr lang="en-SG"/>
           </a:p>
@@ -638,7 +654,7 @@
           <a:p>
             <a:fld id="{0CE62613-D348-4AD8-BC88-BB3F1C2A888F}" type="datetimeFigureOut">
               <a:rPr lang="en-SG" smtClean="0"/>
-              <a:t>9/6/2017</a:t>
+              <a:t>10/9/2017</a:t>
             </a:fld>
             <a:endParaRPr lang="en-SG"/>
           </a:p>
@@ -808,7 +824,7 @@
           <a:p>
             <a:fld id="{0CE62613-D348-4AD8-BC88-BB3F1C2A888F}" type="datetimeFigureOut">
               <a:rPr lang="en-SG" smtClean="0"/>
-              <a:t>9/6/2017</a:t>
+              <a:t>10/9/2017</a:t>
             </a:fld>
             <a:endParaRPr lang="en-SG"/>
           </a:p>
@@ -1054,7 +1070,7 @@
           <a:p>
             <a:fld id="{0CE62613-D348-4AD8-BC88-BB3F1C2A888F}" type="datetimeFigureOut">
               <a:rPr lang="en-SG" smtClean="0"/>
-              <a:t>9/6/2017</a:t>
+              <a:t>10/9/2017</a:t>
             </a:fld>
             <a:endParaRPr lang="en-SG"/>
           </a:p>
@@ -1342,7 +1358,7 @@
           <a:p>
             <a:fld id="{0CE62613-D348-4AD8-BC88-BB3F1C2A888F}" type="datetimeFigureOut">
               <a:rPr lang="en-SG" smtClean="0"/>
-              <a:t>9/6/2017</a:t>
+              <a:t>10/9/2017</a:t>
             </a:fld>
             <a:endParaRPr lang="en-SG"/>
           </a:p>
@@ -1764,7 +1780,7 @@
           <a:p>
             <a:fld id="{0CE62613-D348-4AD8-BC88-BB3F1C2A888F}" type="datetimeFigureOut">
               <a:rPr lang="en-SG" smtClean="0"/>
-              <a:t>9/6/2017</a:t>
+              <a:t>10/9/2017</a:t>
             </a:fld>
             <a:endParaRPr lang="en-SG"/>
           </a:p>
@@ -1882,7 +1898,7 @@
           <a:p>
             <a:fld id="{0CE62613-D348-4AD8-BC88-BB3F1C2A888F}" type="datetimeFigureOut">
               <a:rPr lang="en-SG" smtClean="0"/>
-              <a:t>9/6/2017</a:t>
+              <a:t>10/9/2017</a:t>
             </a:fld>
             <a:endParaRPr lang="en-SG"/>
           </a:p>
@@ -1977,7 +1993,7 @@
           <a:p>
             <a:fld id="{0CE62613-D348-4AD8-BC88-BB3F1C2A888F}" type="datetimeFigureOut">
               <a:rPr lang="en-SG" smtClean="0"/>
-              <a:t>9/6/2017</a:t>
+              <a:t>10/9/2017</a:t>
             </a:fld>
             <a:endParaRPr lang="en-SG"/>
           </a:p>
@@ -2254,7 +2270,7 @@
           <a:p>
             <a:fld id="{0CE62613-D348-4AD8-BC88-BB3F1C2A888F}" type="datetimeFigureOut">
               <a:rPr lang="en-SG" smtClean="0"/>
-              <a:t>9/6/2017</a:t>
+              <a:t>10/9/2017</a:t>
             </a:fld>
             <a:endParaRPr lang="en-SG"/>
           </a:p>
@@ -2507,7 +2523,7 @@
           <a:p>
             <a:fld id="{0CE62613-D348-4AD8-BC88-BB3F1C2A888F}" type="datetimeFigureOut">
               <a:rPr lang="en-SG" smtClean="0"/>
-              <a:t>9/6/2017</a:t>
+              <a:t>10/9/2017</a:t>
             </a:fld>
             <a:endParaRPr lang="en-SG"/>
           </a:p>
@@ -2720,7 +2736,7 @@
           <a:p>
             <a:fld id="{0CE62613-D348-4AD8-BC88-BB3F1C2A888F}" type="datetimeFigureOut">
               <a:rPr lang="en-SG" smtClean="0"/>
-              <a:t>9/6/2017</a:t>
+              <a:t>10/9/2017</a:t>
             </a:fld>
             <a:endParaRPr lang="en-SG"/>
           </a:p>
@@ -3103,7 +3119,7 @@
         </p:nvSpPr>
         <p:spPr>
           <a:xfrm>
-            <a:off x="3959341" y="4125223"/>
+            <a:off x="1331640" y="3411324"/>
             <a:ext cx="1758717" cy="369332"/>
           </a:xfrm>
           <a:prstGeom prst="rect">
@@ -3151,8 +3167,8 @@
           <p:nvPr/>
         </p:nvSpPr>
         <p:spPr>
-          <a:xfrm>
-            <a:off x="4724399" y="5213865"/>
+          <a:xfrm rot="16200000">
+            <a:off x="3043332" y="3543666"/>
             <a:ext cx="228600" cy="152400"/>
           </a:xfrm>
           <a:prstGeom prst="triangle">
@@ -3200,7 +3216,7 @@
         </p:nvSpPr>
         <p:spPr>
           <a:xfrm>
-            <a:off x="3730376" y="5562600"/>
+            <a:off x="3563888" y="3997384"/>
             <a:ext cx="2209800" cy="369332"/>
           </a:xfrm>
           <a:prstGeom prst="rect">
@@ -3257,14 +3273,12 @@
           <p:nvPr/>
         </p:nvCxnSpPr>
         <p:spPr>
-          <a:xfrm rot="5400000">
-            <a:off x="4738821" y="5462721"/>
-            <a:ext cx="196335" cy="3423"/>
+          <a:xfrm>
+            <a:off x="3233832" y="3619866"/>
+            <a:ext cx="1434956" cy="377518"/>
           </a:xfrm>
-          <a:prstGeom prst="bentConnector3">
-            <a:avLst>
-              <a:gd name="adj1" fmla="val 50000"/>
-            </a:avLst>
+          <a:prstGeom prst="bentConnector2">
+            <a:avLst/>
           </a:prstGeom>
           <a:ln w="19050">
             <a:solidFill>
@@ -3295,7 +3309,7 @@
         </p:nvSpPr>
         <p:spPr>
           <a:xfrm>
-            <a:off x="3959341" y="4486165"/>
+            <a:off x="1331640" y="3772266"/>
             <a:ext cx="1758717" cy="332305"/>
           </a:xfrm>
           <a:prstGeom prst="rect">
@@ -3339,8 +3353,8 @@
         </p:nvSpPr>
         <p:spPr>
           <a:xfrm>
-            <a:off x="3959341" y="4818471"/>
-            <a:ext cx="1758717" cy="369332"/>
+            <a:off x="1331640" y="3933056"/>
+            <a:ext cx="1758717" cy="1080120"/>
           </a:xfrm>
           <a:prstGeom prst="rect">
             <a:avLst/>
@@ -3367,7 +3381,7 @@
         </p:style>
         <p:txBody>
           <a:bodyPr wrap="square" rtlCol="0" anchor="ctr">
-            <a:spAutoFit/>
+            <a:noAutofit/>
           </a:bodyPr>
           <a:lstStyle/>
           <a:p>
@@ -3377,11 +3391,39 @@
                   <a:srgbClr val="FF0000"/>
                 </a:solidFill>
               </a:rPr>
-              <a:t>print()</a:t>
+              <a:t>print</a:t>
+            </a:r>
+            <a:r>
+              <a:rPr lang="en-US" dirty="0" smtClean="0">
+                <a:solidFill>
+                  <a:srgbClr val="FF0000"/>
+                </a:solidFill>
+              </a:rPr>
+              <a:t>()</a:t>
+            </a:r>
+          </a:p>
+          <a:p>
+            <a:r>
+              <a:rPr lang="en-US" dirty="0" smtClean="0">
+                <a:solidFill>
+                  <a:srgbClr val="FF0000"/>
+                </a:solidFill>
+              </a:rPr>
+              <a:t>write(String)</a:t>
+            </a:r>
+          </a:p>
+          <a:p>
+            <a:r>
+              <a:rPr lang="en-US" dirty="0" smtClean="0">
+                <a:solidFill>
+                  <a:schemeClr val="tx1"/>
+                </a:solidFill>
+              </a:rPr>
+              <a:t>read():String</a:t>
             </a:r>
             <a:endParaRPr lang="en-US" dirty="0">
               <a:solidFill>
-                <a:srgbClr val="FF0000"/>
+                <a:schemeClr val="tx1"/>
               </a:solidFill>
             </a:endParaRPr>
           </a:p>
@@ -3395,7 +3437,7 @@
         </p:nvSpPr>
         <p:spPr>
           <a:xfrm>
-            <a:off x="3730376" y="5933963"/>
+            <a:off x="3563888" y="4368747"/>
             <a:ext cx="2209800" cy="369332"/>
           </a:xfrm>
           <a:prstGeom prst="rect">
@@ -3446,8 +3488,8 @@
         </p:nvSpPr>
         <p:spPr>
           <a:xfrm>
-            <a:off x="3730376" y="6305326"/>
-            <a:ext cx="2209800" cy="369332"/>
+            <a:off x="3563888" y="4740110"/>
+            <a:ext cx="2209800" cy="849130"/>
           </a:xfrm>
           <a:prstGeom prst="rect">
             <a:avLst/>
@@ -3480,7 +3522,7 @@
         </p:style>
         <p:txBody>
           <a:bodyPr wrap="square" rtlCol="0" anchor="ctr">
-            <a:spAutoFit/>
+            <a:noAutofit/>
           </a:bodyPr>
           <a:lstStyle/>
           <a:p>
@@ -3490,11 +3532,55 @@
                   <a:srgbClr val="FF0000"/>
                 </a:solidFill>
               </a:rPr>
-              <a:t>print()</a:t>
+              <a:t>print</a:t>
+            </a:r>
+            <a:r>
+              <a:rPr lang="en-US" dirty="0" smtClean="0">
+                <a:solidFill>
+                  <a:srgbClr val="FF0000"/>
+                </a:solidFill>
+              </a:rPr>
+              <a:t>()</a:t>
+            </a:r>
+          </a:p>
+          <a:p>
+            <a:r>
+              <a:rPr lang="en-US" dirty="0" smtClean="0">
+                <a:solidFill>
+                  <a:srgbClr val="FF0000"/>
+                </a:solidFill>
+              </a:rPr>
+              <a:t>write(String)</a:t>
+            </a:r>
+          </a:p>
+          <a:p>
+            <a:r>
+              <a:rPr lang="en-US" dirty="0" smtClean="0">
+                <a:solidFill>
+                  <a:schemeClr val="tx1"/>
+                </a:solidFill>
+              </a:rPr>
+              <a:t>read(</a:t>
+            </a:r>
+            <a:r>
+              <a:rPr lang="en-US" dirty="0" err="1" smtClean="0">
+                <a:solidFill>
+                  <a:schemeClr val="tx1"/>
+                </a:solidFill>
+              </a:rPr>
+              <a:t>int</a:t>
+            </a:r>
+            <a:r>
+              <a:rPr lang="en-US" dirty="0" smtClean="0">
+                <a:solidFill>
+                  <a:schemeClr val="tx1"/>
+                </a:solidFill>
+              </a:rPr>
+              <a:t>):String</a:t>
             </a:r>
             <a:endParaRPr lang="en-US" dirty="0">
               <a:solidFill>
-                <a:srgbClr val="FF0000"/>
+                <a:schemeClr val="tx1"/>
               </a:solidFill>
             </a:endParaRPr>
           </a:p>
